--- a/documentation/Quartett.pptx
+++ b/documentation/Quartett.pptx
@@ -111,6 +111,11 @@
       </a:defRPr>
     </a:lvl9pPr>
   </p:defaultTextStyle>
+  <p:extLst>
+    <p:ext uri="{EFAFB233-063F-42B5-8137-9DF3F51BA10A}">
+      <p15:sldGuideLst xmlns:p15="http://schemas.microsoft.com/office/powerpoint/2012/main"/>
+    </p:ext>
+  </p:extLst>
 </p:presentation>
 </file>
 
@@ -168,7 +173,7 @@
           <a:noFill/>
           <a:extLst>
             <a:ext uri="{909E8E84-426E-40dd-AFC4-6F175D3DCCD1}">
-              <a14:hiddenFill xmlns:a14="http://schemas.microsoft.com/office/drawing/2010/main" xmlns="">
+              <a14:hiddenFill xmlns="" xmlns:a14="http://schemas.microsoft.com/office/drawing/2010/main">
                 <a:solidFill>
                   <a:srgbClr val="FFFFFF"/>
                 </a:solidFill>
@@ -228,7 +233,7 @@
             </a:ln>
             <a:extLst>
               <a:ext uri="{91240B29-F687-4f45-9708-019B960494DF}">
-                <a14:hiddenLine xmlns:a14="http://schemas.microsoft.com/office/drawing/2010/main" xmlns="" w="9525">
+                <a14:hiddenLine xmlns="" xmlns:a14="http://schemas.microsoft.com/office/drawing/2010/main" w="9525">
                   <a:solidFill>
                     <a:srgbClr val="000000"/>
                   </a:solidFill>
@@ -318,7 +323,7 @@
             </a:ln>
             <a:extLst>
               <a:ext uri="{91240B29-F687-4f45-9708-019B960494DF}">
-                <a14:hiddenLine xmlns:a14="http://schemas.microsoft.com/office/drawing/2010/main" xmlns="" w="9525">
+                <a14:hiddenLine xmlns="" xmlns:a14="http://schemas.microsoft.com/office/drawing/2010/main" w="9525">
                   <a:solidFill>
                     <a:srgbClr val="000000"/>
                   </a:solidFill>
@@ -408,7 +413,7 @@
             </a:ln>
             <a:extLst>
               <a:ext uri="{91240B29-F687-4f45-9708-019B960494DF}">
-                <a14:hiddenLine xmlns:a14="http://schemas.microsoft.com/office/drawing/2010/main" xmlns="" w="9525">
+                <a14:hiddenLine xmlns="" xmlns:a14="http://schemas.microsoft.com/office/drawing/2010/main" w="9525">
                   <a:solidFill>
                     <a:srgbClr val="000000"/>
                   </a:solidFill>
@@ -442,7 +447,7 @@
             </a:ln>
             <a:extLst>
               <a:ext uri="{91240B29-F687-4f45-9708-019B960494DF}">
-                <a14:hiddenLine xmlns:a14="http://schemas.microsoft.com/office/drawing/2010/main" xmlns="" w="9525">
+                <a14:hiddenLine xmlns="" xmlns:a14="http://schemas.microsoft.com/office/drawing/2010/main" w="9525">
                   <a:solidFill>
                     <a:srgbClr val="000000"/>
                   </a:solidFill>
@@ -532,7 +537,7 @@
             </a:ln>
             <a:extLst>
               <a:ext uri="{91240B29-F687-4f45-9708-019B960494DF}">
-                <a14:hiddenLine xmlns:a14="http://schemas.microsoft.com/office/drawing/2010/main" xmlns="" w="9525">
+                <a14:hiddenLine xmlns="" xmlns:a14="http://schemas.microsoft.com/office/drawing/2010/main" w="9525">
                   <a:solidFill>
                     <a:srgbClr val="000000"/>
                   </a:solidFill>
@@ -594,7 +599,7 @@
             </a:ln>
             <a:extLst>
               <a:ext uri="{91240B29-F687-4f45-9708-019B960494DF}">
-                <a14:hiddenLine xmlns:a14="http://schemas.microsoft.com/office/drawing/2010/main" xmlns="" w="9525">
+                <a14:hiddenLine xmlns="" xmlns:a14="http://schemas.microsoft.com/office/drawing/2010/main" w="9525">
                   <a:solidFill>
                     <a:srgbClr val="000000"/>
                   </a:solidFill>
@@ -656,7 +661,7 @@
             </a:ln>
             <a:extLst>
               <a:ext uri="{91240B29-F687-4f45-9708-019B960494DF}">
-                <a14:hiddenLine xmlns:a14="http://schemas.microsoft.com/office/drawing/2010/main" xmlns="" w="9525">
+                <a14:hiddenLine xmlns="" xmlns:a14="http://schemas.microsoft.com/office/drawing/2010/main" w="9525">
                   <a:solidFill>
                     <a:srgbClr val="000000"/>
                   </a:solidFill>
@@ -746,7 +751,7 @@
             </a:ln>
             <a:extLst>
               <a:ext uri="{91240B29-F687-4f45-9708-019B960494DF}">
-                <a14:hiddenLine xmlns:a14="http://schemas.microsoft.com/office/drawing/2010/main" xmlns="" w="9525">
+                <a14:hiddenLine xmlns="" xmlns:a14="http://schemas.microsoft.com/office/drawing/2010/main" w="9525">
                   <a:solidFill>
                     <a:srgbClr val="000000"/>
                   </a:solidFill>
@@ -808,7 +813,7 @@
             </a:ln>
             <a:extLst>
               <a:ext uri="{91240B29-F687-4f45-9708-019B960494DF}">
-                <a14:hiddenLine xmlns:a14="http://schemas.microsoft.com/office/drawing/2010/main" xmlns="" w="9525">
+                <a14:hiddenLine xmlns="" xmlns:a14="http://schemas.microsoft.com/office/drawing/2010/main" w="9525">
                   <a:solidFill>
                     <a:srgbClr val="000000"/>
                   </a:solidFill>
@@ -870,7 +875,7 @@
             </a:ln>
             <a:extLst>
               <a:ext uri="{91240B29-F687-4f45-9708-019B960494DF}">
-                <a14:hiddenLine xmlns:a14="http://schemas.microsoft.com/office/drawing/2010/main" xmlns="" w="9525">
+                <a14:hiddenLine xmlns="" xmlns:a14="http://schemas.microsoft.com/office/drawing/2010/main" w="9525">
                   <a:solidFill>
                     <a:srgbClr val="000000"/>
                   </a:solidFill>
@@ -960,7 +965,7 @@
             </a:ln>
             <a:extLst>
               <a:ext uri="{91240B29-F687-4f45-9708-019B960494DF}">
-                <a14:hiddenLine xmlns:a14="http://schemas.microsoft.com/office/drawing/2010/main" xmlns="" w="9525">
+                <a14:hiddenLine xmlns="" xmlns:a14="http://schemas.microsoft.com/office/drawing/2010/main" w="9525">
                   <a:solidFill>
                     <a:srgbClr val="000000"/>
                   </a:solidFill>
@@ -1050,7 +1055,7 @@
             </a:ln>
             <a:extLst>
               <a:ext uri="{91240B29-F687-4f45-9708-019B960494DF}">
-                <a14:hiddenLine xmlns:a14="http://schemas.microsoft.com/office/drawing/2010/main" xmlns="" w="9525">
+                <a14:hiddenLine xmlns="" xmlns:a14="http://schemas.microsoft.com/office/drawing/2010/main" w="9525">
                   <a:solidFill>
                     <a:srgbClr val="000000"/>
                   </a:solidFill>
@@ -1112,7 +1117,7 @@
             </a:ln>
             <a:extLst>
               <a:ext uri="{91240B29-F687-4f45-9708-019B960494DF}">
-                <a14:hiddenLine xmlns:a14="http://schemas.microsoft.com/office/drawing/2010/main" xmlns="" w="9525">
+                <a14:hiddenLine xmlns="" xmlns:a14="http://schemas.microsoft.com/office/drawing/2010/main" w="9525">
                   <a:solidFill>
                     <a:srgbClr val="000000"/>
                   </a:solidFill>
@@ -1222,7 +1227,7 @@
             </a:ln>
             <a:extLst>
               <a:ext uri="{91240B29-F687-4f45-9708-019B960494DF}">
-                <a14:hiddenLine xmlns:a14="http://schemas.microsoft.com/office/drawing/2010/main" xmlns="" w="9525">
+                <a14:hiddenLine xmlns="" xmlns:a14="http://schemas.microsoft.com/office/drawing/2010/main" w="9525">
                   <a:solidFill>
                     <a:srgbClr val="000000"/>
                   </a:solidFill>
@@ -1284,7 +1289,7 @@
             </a:ln>
             <a:extLst>
               <a:ext uri="{91240B29-F687-4f45-9708-019B960494DF}">
-                <a14:hiddenLine xmlns:a14="http://schemas.microsoft.com/office/drawing/2010/main" xmlns="" w="9525">
+                <a14:hiddenLine xmlns="" xmlns:a14="http://schemas.microsoft.com/office/drawing/2010/main" w="9525">
                   <a:solidFill>
                     <a:srgbClr val="000000"/>
                   </a:solidFill>
@@ -1374,7 +1379,7 @@
             </a:ln>
             <a:extLst>
               <a:ext uri="{91240B29-F687-4f45-9708-019B960494DF}">
-                <a14:hiddenLine xmlns:a14="http://schemas.microsoft.com/office/drawing/2010/main" xmlns="" w="9525">
+                <a14:hiddenLine xmlns="" xmlns:a14="http://schemas.microsoft.com/office/drawing/2010/main" w="9525">
                   <a:solidFill>
                     <a:srgbClr val="000000"/>
                   </a:solidFill>
@@ -1464,7 +1469,7 @@
             </a:ln>
             <a:extLst>
               <a:ext uri="{91240B29-F687-4f45-9708-019B960494DF}">
-                <a14:hiddenLine xmlns:a14="http://schemas.microsoft.com/office/drawing/2010/main" xmlns="" w="9525">
+                <a14:hiddenLine xmlns="" xmlns:a14="http://schemas.microsoft.com/office/drawing/2010/main" w="9525">
                   <a:solidFill>
                     <a:srgbClr val="000000"/>
                   </a:solidFill>
@@ -1526,7 +1531,7 @@
             </a:ln>
             <a:extLst>
               <a:ext uri="{91240B29-F687-4f45-9708-019B960494DF}">
-                <a14:hiddenLine xmlns:a14="http://schemas.microsoft.com/office/drawing/2010/main" xmlns="" w="9525">
+                <a14:hiddenLine xmlns="" xmlns:a14="http://schemas.microsoft.com/office/drawing/2010/main" w="9525">
                   <a:solidFill>
                     <a:srgbClr val="000000"/>
                   </a:solidFill>
@@ -1616,7 +1621,7 @@
             </a:ln>
             <a:extLst>
               <a:ext uri="{91240B29-F687-4f45-9708-019B960494DF}">
-                <a14:hiddenLine xmlns:a14="http://schemas.microsoft.com/office/drawing/2010/main" xmlns="" w="9525">
+                <a14:hiddenLine xmlns="" xmlns:a14="http://schemas.microsoft.com/office/drawing/2010/main" w="9525">
                   <a:solidFill>
                     <a:srgbClr val="000000"/>
                   </a:solidFill>
@@ -1706,7 +1711,7 @@
             </a:ln>
             <a:extLst>
               <a:ext uri="{91240B29-F687-4f45-9708-019B960494DF}">
-                <a14:hiddenLine xmlns:a14="http://schemas.microsoft.com/office/drawing/2010/main" xmlns="" w="9525">
+                <a14:hiddenLine xmlns="" xmlns:a14="http://schemas.microsoft.com/office/drawing/2010/main" w="9525">
                   <a:solidFill>
                     <a:srgbClr val="000000"/>
                   </a:solidFill>
@@ -1762,7 +1767,7 @@
             </a:ln>
             <a:extLst>
               <a:ext uri="{91240B29-F687-4f45-9708-019B960494DF}">
-                <a14:hiddenLine xmlns:a14="http://schemas.microsoft.com/office/drawing/2010/main" xmlns="" w="9525">
+                <a14:hiddenLine xmlns="" xmlns:a14="http://schemas.microsoft.com/office/drawing/2010/main" w="9525">
                   <a:solidFill>
                     <a:srgbClr val="000000"/>
                   </a:solidFill>
@@ -1852,7 +1857,7 @@
             </a:ln>
             <a:extLst>
               <a:ext uri="{91240B29-F687-4f45-9708-019B960494DF}">
-                <a14:hiddenLine xmlns:a14="http://schemas.microsoft.com/office/drawing/2010/main" xmlns="" w="9525">
+                <a14:hiddenLine xmlns="" xmlns:a14="http://schemas.microsoft.com/office/drawing/2010/main" w="9525">
                   <a:solidFill>
                     <a:srgbClr val="000000"/>
                   </a:solidFill>
@@ -1908,7 +1913,7 @@
             </a:ln>
             <a:extLst>
               <a:ext uri="{91240B29-F687-4f45-9708-019B960494DF}">
-                <a14:hiddenLine xmlns:a14="http://schemas.microsoft.com/office/drawing/2010/main" xmlns="" w="9525">
+                <a14:hiddenLine xmlns="" xmlns:a14="http://schemas.microsoft.com/office/drawing/2010/main" w="9525">
                   <a:solidFill>
                     <a:srgbClr val="000000"/>
                   </a:solidFill>
@@ -1998,7 +2003,7 @@
             </a:ln>
             <a:extLst>
               <a:ext uri="{91240B29-F687-4f45-9708-019B960494DF}">
-                <a14:hiddenLine xmlns:a14="http://schemas.microsoft.com/office/drawing/2010/main" xmlns="" w="9525">
+                <a14:hiddenLine xmlns="" xmlns:a14="http://schemas.microsoft.com/office/drawing/2010/main" w="9525">
                   <a:solidFill>
                     <a:srgbClr val="000000"/>
                   </a:solidFill>
@@ -2066,7 +2071,7 @@
             </a:ln>
             <a:extLst>
               <a:ext uri="{91240B29-F687-4f45-9708-019B960494DF}">
-                <a14:hiddenLine xmlns:a14="http://schemas.microsoft.com/office/drawing/2010/main" xmlns="" w="9525">
+                <a14:hiddenLine xmlns="" xmlns:a14="http://schemas.microsoft.com/office/drawing/2010/main" w="9525">
                   <a:solidFill>
                     <a:srgbClr val="000000"/>
                   </a:solidFill>
@@ -2156,7 +2161,7 @@
             </a:ln>
             <a:extLst>
               <a:ext uri="{91240B29-F687-4f45-9708-019B960494DF}">
-                <a14:hiddenLine xmlns:a14="http://schemas.microsoft.com/office/drawing/2010/main" xmlns="" w="9525">
+                <a14:hiddenLine xmlns="" xmlns:a14="http://schemas.microsoft.com/office/drawing/2010/main" w="9525">
                   <a:solidFill>
                     <a:srgbClr val="000000"/>
                   </a:solidFill>
@@ -2224,7 +2229,7 @@
             </a:ln>
             <a:extLst>
               <a:ext uri="{91240B29-F687-4f45-9708-019B960494DF}">
-                <a14:hiddenLine xmlns:a14="http://schemas.microsoft.com/office/drawing/2010/main" xmlns="" w="9525">
+                <a14:hiddenLine xmlns="" xmlns:a14="http://schemas.microsoft.com/office/drawing/2010/main" w="9525">
                   <a:solidFill>
                     <a:srgbClr val="000000"/>
                   </a:solidFill>
@@ -2314,7 +2319,7 @@
             </a:ln>
             <a:extLst>
               <a:ext uri="{91240B29-F687-4f45-9708-019B960494DF}">
-                <a14:hiddenLine xmlns:a14="http://schemas.microsoft.com/office/drawing/2010/main" xmlns="" w="9525">
+                <a14:hiddenLine xmlns="" xmlns:a14="http://schemas.microsoft.com/office/drawing/2010/main" w="9525">
                   <a:solidFill>
                     <a:srgbClr val="000000"/>
                   </a:solidFill>
@@ -2348,7 +2353,7 @@
             </a:ln>
             <a:extLst>
               <a:ext uri="{91240B29-F687-4f45-9708-019B960494DF}">
-                <a14:hiddenLine xmlns:a14="http://schemas.microsoft.com/office/drawing/2010/main" xmlns="" w="9525">
+                <a14:hiddenLine xmlns="" xmlns:a14="http://schemas.microsoft.com/office/drawing/2010/main" w="9525">
                   <a:solidFill>
                     <a:srgbClr val="000000"/>
                   </a:solidFill>
@@ -2438,7 +2443,7 @@
             </a:ln>
             <a:extLst>
               <a:ext uri="{91240B29-F687-4f45-9708-019B960494DF}">
-                <a14:hiddenLine xmlns:a14="http://schemas.microsoft.com/office/drawing/2010/main" xmlns="" w="9525">
+                <a14:hiddenLine xmlns="" xmlns:a14="http://schemas.microsoft.com/office/drawing/2010/main" w="9525">
                   <a:solidFill>
                     <a:srgbClr val="000000"/>
                   </a:solidFill>
@@ -2500,7 +2505,7 @@
             </a:ln>
             <a:extLst>
               <a:ext uri="{91240B29-F687-4f45-9708-019B960494DF}">
-                <a14:hiddenLine xmlns:a14="http://schemas.microsoft.com/office/drawing/2010/main" xmlns="" w="9525">
+                <a14:hiddenLine xmlns="" xmlns:a14="http://schemas.microsoft.com/office/drawing/2010/main" w="9525">
                   <a:solidFill>
                     <a:srgbClr val="000000"/>
                   </a:solidFill>
@@ -2562,7 +2567,7 @@
             </a:ln>
             <a:extLst>
               <a:ext uri="{91240B29-F687-4f45-9708-019B960494DF}">
-                <a14:hiddenLine xmlns:a14="http://schemas.microsoft.com/office/drawing/2010/main" xmlns="" w="9525">
+                <a14:hiddenLine xmlns="" xmlns:a14="http://schemas.microsoft.com/office/drawing/2010/main" w="9525">
                   <a:solidFill>
                     <a:srgbClr val="000000"/>
                   </a:solidFill>
@@ -2652,7 +2657,7 @@
             </a:ln>
             <a:extLst>
               <a:ext uri="{91240B29-F687-4f45-9708-019B960494DF}">
-                <a14:hiddenLine xmlns:a14="http://schemas.microsoft.com/office/drawing/2010/main" xmlns="" w="9525">
+                <a14:hiddenLine xmlns="" xmlns:a14="http://schemas.microsoft.com/office/drawing/2010/main" w="9525">
                   <a:solidFill>
                     <a:srgbClr val="000000"/>
                   </a:solidFill>
@@ -2720,7 +2725,7 @@
             </a:ln>
             <a:extLst>
               <a:ext uri="{91240B29-F687-4f45-9708-019B960494DF}">
-                <a14:hiddenLine xmlns:a14="http://schemas.microsoft.com/office/drawing/2010/main" xmlns="" w="9525">
+                <a14:hiddenLine xmlns="" xmlns:a14="http://schemas.microsoft.com/office/drawing/2010/main" w="9525">
                   <a:solidFill>
                     <a:srgbClr val="000000"/>
                   </a:solidFill>
@@ -2782,7 +2787,7 @@
             </a:ln>
             <a:extLst>
               <a:ext uri="{91240B29-F687-4f45-9708-019B960494DF}">
-                <a14:hiddenLine xmlns:a14="http://schemas.microsoft.com/office/drawing/2010/main" xmlns="" w="9525">
+                <a14:hiddenLine xmlns="" xmlns:a14="http://schemas.microsoft.com/office/drawing/2010/main" w="9525">
                   <a:solidFill>
                     <a:srgbClr val="000000"/>
                   </a:solidFill>
@@ -2872,7 +2877,7 @@
             </a:ln>
             <a:extLst>
               <a:ext uri="{91240B29-F687-4f45-9708-019B960494DF}">
-                <a14:hiddenLine xmlns:a14="http://schemas.microsoft.com/office/drawing/2010/main" xmlns="" w="9525">
+                <a14:hiddenLine xmlns="" xmlns:a14="http://schemas.microsoft.com/office/drawing/2010/main" w="9525">
                   <a:solidFill>
                     <a:srgbClr val="000000"/>
                   </a:solidFill>
@@ -2934,7 +2939,7 @@
             </a:ln>
             <a:extLst>
               <a:ext uri="{91240B29-F687-4f45-9708-019B960494DF}">
-                <a14:hiddenLine xmlns:a14="http://schemas.microsoft.com/office/drawing/2010/main" xmlns="" w="9525">
+                <a14:hiddenLine xmlns="" xmlns:a14="http://schemas.microsoft.com/office/drawing/2010/main" w="9525">
                   <a:solidFill>
                     <a:srgbClr val="000000"/>
                   </a:solidFill>
@@ -3024,7 +3029,7 @@
             </a:ln>
             <a:extLst>
               <a:ext uri="{91240B29-F687-4f45-9708-019B960494DF}">
-                <a14:hiddenLine xmlns:a14="http://schemas.microsoft.com/office/drawing/2010/main" xmlns="" w="9525">
+                <a14:hiddenLine xmlns="" xmlns:a14="http://schemas.microsoft.com/office/drawing/2010/main" w="9525">
                   <a:solidFill>
                     <a:srgbClr val="000000"/>
                   </a:solidFill>
@@ -3086,7 +3091,7 @@
             </a:ln>
             <a:extLst>
               <a:ext uri="{91240B29-F687-4f45-9708-019B960494DF}">
-                <a14:hiddenLine xmlns:a14="http://schemas.microsoft.com/office/drawing/2010/main" xmlns="" w="9525">
+                <a14:hiddenLine xmlns="" xmlns:a14="http://schemas.microsoft.com/office/drawing/2010/main" w="9525">
                   <a:solidFill>
                     <a:srgbClr val="000000"/>
                   </a:solidFill>
@@ -3176,7 +3181,7 @@
             </a:ln>
             <a:extLst>
               <a:ext uri="{91240B29-F687-4f45-9708-019B960494DF}">
-                <a14:hiddenLine xmlns:a14="http://schemas.microsoft.com/office/drawing/2010/main" xmlns="" w="9525">
+                <a14:hiddenLine xmlns="" xmlns:a14="http://schemas.microsoft.com/office/drawing/2010/main" w="9525">
                   <a:solidFill>
                     <a:srgbClr val="000000"/>
                   </a:solidFill>
@@ -3210,7 +3215,7 @@
             </a:ln>
             <a:extLst>
               <a:ext uri="{91240B29-F687-4f45-9708-019B960494DF}">
-                <a14:hiddenLine xmlns:a14="http://schemas.microsoft.com/office/drawing/2010/main" xmlns="" w="9525">
+                <a14:hiddenLine xmlns="" xmlns:a14="http://schemas.microsoft.com/office/drawing/2010/main" w="9525">
                   <a:solidFill>
                     <a:srgbClr val="000000"/>
                   </a:solidFill>
@@ -3275,7 +3280,7 @@
             </a:ln>
             <a:extLst>
               <a:ext uri="{91240B29-F687-4f45-9708-019B960494DF}">
-                <a14:hiddenLine xmlns:a14="http://schemas.microsoft.com/office/drawing/2010/main" xmlns="" w="9525">
+                <a14:hiddenLine xmlns="" xmlns:a14="http://schemas.microsoft.com/office/drawing/2010/main" w="9525">
                   <a:solidFill>
                     <a:srgbClr val="000000"/>
                   </a:solidFill>
@@ -3365,7 +3370,7 @@
             </a:ln>
             <a:extLst>
               <a:ext uri="{91240B29-F687-4f45-9708-019B960494DF}">
-                <a14:hiddenLine xmlns:a14="http://schemas.microsoft.com/office/drawing/2010/main" xmlns="" w="9525">
+                <a14:hiddenLine xmlns="" xmlns:a14="http://schemas.microsoft.com/office/drawing/2010/main" w="9525">
                   <a:solidFill>
                     <a:srgbClr val="000000"/>
                   </a:solidFill>
@@ -3427,7 +3432,7 @@
             </a:ln>
             <a:extLst>
               <a:ext uri="{91240B29-F687-4f45-9708-019B960494DF}">
-                <a14:hiddenLine xmlns:a14="http://schemas.microsoft.com/office/drawing/2010/main" xmlns="" w="9525">
+                <a14:hiddenLine xmlns="" xmlns:a14="http://schemas.microsoft.com/office/drawing/2010/main" w="9525">
                   <a:solidFill>
                     <a:srgbClr val="000000"/>
                   </a:solidFill>
@@ -3517,7 +3522,7 @@
             </a:ln>
             <a:extLst>
               <a:ext uri="{91240B29-F687-4f45-9708-019B960494DF}">
-                <a14:hiddenLine xmlns:a14="http://schemas.microsoft.com/office/drawing/2010/main" xmlns="" w="9525">
+                <a14:hiddenLine xmlns="" xmlns:a14="http://schemas.microsoft.com/office/drawing/2010/main" w="9525">
                   <a:solidFill>
                     <a:srgbClr val="000000"/>
                   </a:solidFill>
@@ -3607,7 +3612,7 @@
             </a:ln>
             <a:extLst>
               <a:ext uri="{91240B29-F687-4f45-9708-019B960494DF}">
-                <a14:hiddenLine xmlns:a14="http://schemas.microsoft.com/office/drawing/2010/main" xmlns="" w="9525">
+                <a14:hiddenLine xmlns="" xmlns:a14="http://schemas.microsoft.com/office/drawing/2010/main" w="9525">
                   <a:solidFill>
                     <a:srgbClr val="000000"/>
                   </a:solidFill>
@@ -3672,7 +3677,7 @@
             </a:ln>
             <a:extLst>
               <a:ext uri="{91240B29-F687-4f45-9708-019B960494DF}">
-                <a14:hiddenLine xmlns:a14="http://schemas.microsoft.com/office/drawing/2010/main" xmlns="" w="9525">
+                <a14:hiddenLine xmlns="" xmlns:a14="http://schemas.microsoft.com/office/drawing/2010/main" w="9525">
                   <a:solidFill>
                     <a:srgbClr val="000000"/>
                   </a:solidFill>
@@ -3734,7 +3739,7 @@
             </a:ln>
             <a:extLst>
               <a:ext uri="{91240B29-F687-4f45-9708-019B960494DF}">
-                <a14:hiddenLine xmlns:a14="http://schemas.microsoft.com/office/drawing/2010/main" xmlns="" w="9525">
+                <a14:hiddenLine xmlns="" xmlns:a14="http://schemas.microsoft.com/office/drawing/2010/main" w="9525">
                   <a:solidFill>
                     <a:srgbClr val="000000"/>
                   </a:solidFill>
@@ -3824,7 +3829,7 @@
             </a:ln>
             <a:extLst>
               <a:ext uri="{91240B29-F687-4f45-9708-019B960494DF}">
-                <a14:hiddenLine xmlns:a14="http://schemas.microsoft.com/office/drawing/2010/main" xmlns="" w="9525">
+                <a14:hiddenLine xmlns="" xmlns:a14="http://schemas.microsoft.com/office/drawing/2010/main" w="9525">
                   <a:solidFill>
                     <a:srgbClr val="000000"/>
                   </a:solidFill>
@@ -3914,7 +3919,7 @@
             </a:ln>
             <a:extLst>
               <a:ext uri="{91240B29-F687-4f45-9708-019B960494DF}">
-                <a14:hiddenLine xmlns:a14="http://schemas.microsoft.com/office/drawing/2010/main" xmlns="" w="9525">
+                <a14:hiddenLine xmlns="" xmlns:a14="http://schemas.microsoft.com/office/drawing/2010/main" w="9525">
                   <a:solidFill>
                     <a:srgbClr val="000000"/>
                   </a:solidFill>
@@ -3976,7 +3981,7 @@
             </a:ln>
             <a:extLst>
               <a:ext uri="{91240B29-F687-4f45-9708-019B960494DF}">
-                <a14:hiddenLine xmlns:a14="http://schemas.microsoft.com/office/drawing/2010/main" xmlns="" w="9525">
+                <a14:hiddenLine xmlns="" xmlns:a14="http://schemas.microsoft.com/office/drawing/2010/main" w="9525">
                   <a:solidFill>
                     <a:srgbClr val="000000"/>
                   </a:solidFill>
@@ -4096,7 +4101,7 @@
             </a:ln>
             <a:extLst>
               <a:ext uri="{91240B29-F687-4f45-9708-019B960494DF}">
-                <a14:hiddenLine xmlns:a14="http://schemas.microsoft.com/office/drawing/2010/main" xmlns="" w="9525">
+                <a14:hiddenLine xmlns="" xmlns:a14="http://schemas.microsoft.com/office/drawing/2010/main" w="9525">
                   <a:solidFill>
                     <a:srgbClr val="000000"/>
                   </a:solidFill>
@@ -4164,7 +4169,7 @@
             </a:ln>
             <a:extLst>
               <a:ext uri="{91240B29-F687-4f45-9708-019B960494DF}">
-                <a14:hiddenLine xmlns:a14="http://schemas.microsoft.com/office/drawing/2010/main" xmlns="" w="9525">
+                <a14:hiddenLine xmlns="" xmlns:a14="http://schemas.microsoft.com/office/drawing/2010/main" w="9525">
                   <a:solidFill>
                     <a:srgbClr val="000000"/>
                   </a:solidFill>
@@ -4254,7 +4259,7 @@
             </a:ln>
             <a:extLst>
               <a:ext uri="{91240B29-F687-4f45-9708-019B960494DF}">
-                <a14:hiddenLine xmlns:a14="http://schemas.microsoft.com/office/drawing/2010/main" xmlns="" w="9525">
+                <a14:hiddenLine xmlns="" xmlns:a14="http://schemas.microsoft.com/office/drawing/2010/main" w="9525">
                   <a:solidFill>
                     <a:srgbClr val="000000"/>
                   </a:solidFill>
@@ -8976,7 +8981,7 @@
           <a:noFill/>
           <a:extLst>
             <a:ext uri="{909E8E84-426E-40dd-AFC4-6F175D3DCCD1}">
-              <a14:hiddenFill xmlns:a14="http://schemas.microsoft.com/office/drawing/2010/main" xmlns="">
+              <a14:hiddenFill xmlns="" xmlns:a14="http://schemas.microsoft.com/office/drawing/2010/main">
                 <a:solidFill>
                   <a:srgbClr val="FFFFFF"/>
                 </a:solidFill>
@@ -9050,7 +9055,7 @@
               </a:ln>
               <a:extLst>
                 <a:ext uri="{91240B29-F687-4f45-9708-019B960494DF}">
-                  <a14:hiddenLine xmlns:a14="http://schemas.microsoft.com/office/drawing/2010/main" xmlns="" w="9525">
+                  <a14:hiddenLine xmlns="" xmlns:a14="http://schemas.microsoft.com/office/drawing/2010/main" w="9525">
                     <a:solidFill>
                       <a:srgbClr val="000000"/>
                     </a:solidFill>
@@ -9140,7 +9145,7 @@
               </a:ln>
               <a:extLst>
                 <a:ext uri="{91240B29-F687-4f45-9708-019B960494DF}">
-                  <a14:hiddenLine xmlns:a14="http://schemas.microsoft.com/office/drawing/2010/main" xmlns="" w="9525">
+                  <a14:hiddenLine xmlns="" xmlns:a14="http://schemas.microsoft.com/office/drawing/2010/main" w="9525">
                     <a:solidFill>
                       <a:srgbClr val="000000"/>
                     </a:solidFill>
@@ -9230,7 +9235,7 @@
               </a:ln>
               <a:extLst>
                 <a:ext uri="{91240B29-F687-4f45-9708-019B960494DF}">
-                  <a14:hiddenLine xmlns:a14="http://schemas.microsoft.com/office/drawing/2010/main" xmlns="" w="9525">
+                  <a14:hiddenLine xmlns="" xmlns:a14="http://schemas.microsoft.com/office/drawing/2010/main" w="9525">
                     <a:solidFill>
                       <a:srgbClr val="000000"/>
                     </a:solidFill>
@@ -9292,7 +9297,7 @@
               </a:ln>
               <a:extLst>
                 <a:ext uri="{91240B29-F687-4f45-9708-019B960494DF}">
-                  <a14:hiddenLine xmlns:a14="http://schemas.microsoft.com/office/drawing/2010/main" xmlns="" w="9525">
+                  <a14:hiddenLine xmlns="" xmlns:a14="http://schemas.microsoft.com/office/drawing/2010/main" w="9525">
                     <a:solidFill>
                       <a:srgbClr val="000000"/>
                     </a:solidFill>
@@ -9382,7 +9387,7 @@
               </a:ln>
               <a:extLst>
                 <a:ext uri="{91240B29-F687-4f45-9708-019B960494DF}">
-                  <a14:hiddenLine xmlns:a14="http://schemas.microsoft.com/office/drawing/2010/main" xmlns="" w="9525">
+                  <a14:hiddenLine xmlns="" xmlns:a14="http://schemas.microsoft.com/office/drawing/2010/main" w="9525">
                     <a:solidFill>
                       <a:srgbClr val="000000"/>
                     </a:solidFill>
@@ -9444,7 +9449,7 @@
               </a:ln>
               <a:extLst>
                 <a:ext uri="{91240B29-F687-4f45-9708-019B960494DF}">
-                  <a14:hiddenLine xmlns:a14="http://schemas.microsoft.com/office/drawing/2010/main" xmlns="" w="9525">
+                  <a14:hiddenLine xmlns="" xmlns:a14="http://schemas.microsoft.com/office/drawing/2010/main" w="9525">
                     <a:solidFill>
                       <a:srgbClr val="000000"/>
                     </a:solidFill>
@@ -9506,7 +9511,7 @@
               </a:ln>
               <a:extLst>
                 <a:ext uri="{91240B29-F687-4f45-9708-019B960494DF}">
-                  <a14:hiddenLine xmlns:a14="http://schemas.microsoft.com/office/drawing/2010/main" xmlns="" w="9525">
+                  <a14:hiddenLine xmlns="" xmlns:a14="http://schemas.microsoft.com/office/drawing/2010/main" w="9525">
                     <a:solidFill>
                       <a:srgbClr val="000000"/>
                     </a:solidFill>
@@ -9596,7 +9601,7 @@
               </a:ln>
               <a:extLst>
                 <a:ext uri="{91240B29-F687-4f45-9708-019B960494DF}">
-                  <a14:hiddenLine xmlns:a14="http://schemas.microsoft.com/office/drawing/2010/main" xmlns="" w="9525">
+                  <a14:hiddenLine xmlns="" xmlns:a14="http://schemas.microsoft.com/office/drawing/2010/main" w="9525">
                     <a:solidFill>
                       <a:srgbClr val="000000"/>
                     </a:solidFill>
@@ -9686,7 +9691,7 @@
               </a:ln>
               <a:extLst>
                 <a:ext uri="{91240B29-F687-4f45-9708-019B960494DF}">
-                  <a14:hiddenLine xmlns:a14="http://schemas.microsoft.com/office/drawing/2010/main" xmlns="" w="9525">
+                  <a14:hiddenLine xmlns="" xmlns:a14="http://schemas.microsoft.com/office/drawing/2010/main" w="9525">
                     <a:solidFill>
                       <a:srgbClr val="000000"/>
                     </a:solidFill>
@@ -9748,7 +9753,7 @@
               </a:ln>
               <a:extLst>
                 <a:ext uri="{91240B29-F687-4f45-9708-019B960494DF}">
-                  <a14:hiddenLine xmlns:a14="http://schemas.microsoft.com/office/drawing/2010/main" xmlns="" w="9525">
+                  <a14:hiddenLine xmlns="" xmlns:a14="http://schemas.microsoft.com/office/drawing/2010/main" w="9525">
                     <a:solidFill>
                       <a:srgbClr val="000000"/>
                     </a:solidFill>
@@ -9858,7 +9863,7 @@
               </a:ln>
               <a:extLst>
                 <a:ext uri="{91240B29-F687-4f45-9708-019B960494DF}">
-                  <a14:hiddenLine xmlns:a14="http://schemas.microsoft.com/office/drawing/2010/main" xmlns="" w="9525">
+                  <a14:hiddenLine xmlns="" xmlns:a14="http://schemas.microsoft.com/office/drawing/2010/main" w="9525">
                     <a:solidFill>
                       <a:srgbClr val="000000"/>
                     </a:solidFill>
@@ -9942,7 +9947,7 @@
               </a:ln>
               <a:extLst>
                 <a:ext uri="{91240B29-F687-4f45-9708-019B960494DF}">
-                  <a14:hiddenLine xmlns:a14="http://schemas.microsoft.com/office/drawing/2010/main" xmlns="" w="9525">
+                  <a14:hiddenLine xmlns="" xmlns:a14="http://schemas.microsoft.com/office/drawing/2010/main" w="9525">
                     <a:solidFill>
                       <a:srgbClr val="000000"/>
                     </a:solidFill>
@@ -10004,7 +10009,7 @@
               </a:ln>
               <a:extLst>
                 <a:ext uri="{91240B29-F687-4f45-9708-019B960494DF}">
-                  <a14:hiddenLine xmlns:a14="http://schemas.microsoft.com/office/drawing/2010/main" xmlns="" w="9525">
+                  <a14:hiddenLine xmlns="" xmlns:a14="http://schemas.microsoft.com/office/drawing/2010/main" w="9525">
                     <a:solidFill>
                       <a:srgbClr val="000000"/>
                     </a:solidFill>
@@ -10066,7 +10071,7 @@
               </a:ln>
               <a:extLst>
                 <a:ext uri="{91240B29-F687-4f45-9708-019B960494DF}">
-                  <a14:hiddenLine xmlns:a14="http://schemas.microsoft.com/office/drawing/2010/main" xmlns="" w="9525">
+                  <a14:hiddenLine xmlns="" xmlns:a14="http://schemas.microsoft.com/office/drawing/2010/main" w="9525">
                     <a:solidFill>
                       <a:srgbClr val="000000"/>
                     </a:solidFill>
@@ -10156,7 +10161,7 @@
               </a:ln>
               <a:extLst>
                 <a:ext uri="{91240B29-F687-4f45-9708-019B960494DF}">
-                  <a14:hiddenLine xmlns:a14="http://schemas.microsoft.com/office/drawing/2010/main" xmlns="" w="9525">
+                  <a14:hiddenLine xmlns="" xmlns:a14="http://schemas.microsoft.com/office/drawing/2010/main" w="9525">
                     <a:solidFill>
                       <a:srgbClr val="000000"/>
                     </a:solidFill>
@@ -10190,7 +10195,7 @@
               </a:ln>
               <a:extLst>
                 <a:ext uri="{91240B29-F687-4f45-9708-019B960494DF}">
-                  <a14:hiddenLine xmlns:a14="http://schemas.microsoft.com/office/drawing/2010/main" xmlns="" w="9525">
+                  <a14:hiddenLine xmlns="" xmlns:a14="http://schemas.microsoft.com/office/drawing/2010/main" w="9525">
                     <a:solidFill>
                       <a:srgbClr val="000000"/>
                     </a:solidFill>
@@ -10255,7 +10260,7 @@
               </a:ln>
               <a:extLst>
                 <a:ext uri="{91240B29-F687-4f45-9708-019B960494DF}">
-                  <a14:hiddenLine xmlns:a14="http://schemas.microsoft.com/office/drawing/2010/main" xmlns="" w="9525">
+                  <a14:hiddenLine xmlns="" xmlns:a14="http://schemas.microsoft.com/office/drawing/2010/main" w="9525">
                     <a:solidFill>
                       <a:srgbClr val="000000"/>
                     </a:solidFill>
@@ -10345,7 +10350,7 @@
               </a:ln>
               <a:extLst>
                 <a:ext uri="{91240B29-F687-4f45-9708-019B960494DF}">
-                  <a14:hiddenLine xmlns:a14="http://schemas.microsoft.com/office/drawing/2010/main" xmlns="" w="9525">
+                  <a14:hiddenLine xmlns="" xmlns:a14="http://schemas.microsoft.com/office/drawing/2010/main" w="9525">
                     <a:solidFill>
                       <a:srgbClr val="000000"/>
                     </a:solidFill>
@@ -10407,7 +10412,7 @@
               </a:ln>
               <a:extLst>
                 <a:ext uri="{91240B29-F687-4f45-9708-019B960494DF}">
-                  <a14:hiddenLine xmlns:a14="http://schemas.microsoft.com/office/drawing/2010/main" xmlns="" w="9525">
+                  <a14:hiddenLine xmlns="" xmlns:a14="http://schemas.microsoft.com/office/drawing/2010/main" w="9525">
                     <a:solidFill>
                       <a:srgbClr val="000000"/>
                     </a:solidFill>
@@ -10497,7 +10502,7 @@
               </a:ln>
               <a:extLst>
                 <a:ext uri="{91240B29-F687-4f45-9708-019B960494DF}">
-                  <a14:hiddenLine xmlns:a14="http://schemas.microsoft.com/office/drawing/2010/main" xmlns="" w="9525">
+                  <a14:hiddenLine xmlns="" xmlns:a14="http://schemas.microsoft.com/office/drawing/2010/main" w="9525">
                     <a:solidFill>
                       <a:srgbClr val="000000"/>
                     </a:solidFill>
@@ -10562,7 +10567,7 @@
               </a:ln>
               <a:extLst>
                 <a:ext uri="{91240B29-F687-4f45-9708-019B960494DF}">
-                  <a14:hiddenLine xmlns:a14="http://schemas.microsoft.com/office/drawing/2010/main" xmlns="" w="9525">
+                  <a14:hiddenLine xmlns="" xmlns:a14="http://schemas.microsoft.com/office/drawing/2010/main" w="9525">
                     <a:solidFill>
                       <a:srgbClr val="000000"/>
                     </a:solidFill>
@@ -10624,7 +10629,7 @@
               </a:ln>
               <a:extLst>
                 <a:ext uri="{91240B29-F687-4f45-9708-019B960494DF}">
-                  <a14:hiddenLine xmlns:a14="http://schemas.microsoft.com/office/drawing/2010/main" xmlns="" w="9525">
+                  <a14:hiddenLine xmlns="" xmlns:a14="http://schemas.microsoft.com/office/drawing/2010/main" w="9525">
                     <a:solidFill>
                       <a:srgbClr val="000000"/>
                     </a:solidFill>
@@ -10714,7 +10719,7 @@
               </a:ln>
               <a:extLst>
                 <a:ext uri="{91240B29-F687-4f45-9708-019B960494DF}">
-                  <a14:hiddenLine xmlns:a14="http://schemas.microsoft.com/office/drawing/2010/main" xmlns="" w="9525">
+                  <a14:hiddenLine xmlns="" xmlns:a14="http://schemas.microsoft.com/office/drawing/2010/main" w="9525">
                     <a:solidFill>
                       <a:srgbClr val="000000"/>
                     </a:solidFill>
@@ -10804,7 +10809,7 @@
               </a:ln>
               <a:extLst>
                 <a:ext uri="{91240B29-F687-4f45-9708-019B960494DF}">
-                  <a14:hiddenLine xmlns:a14="http://schemas.microsoft.com/office/drawing/2010/main" xmlns="" w="9525">
+                  <a14:hiddenLine xmlns="" xmlns:a14="http://schemas.microsoft.com/office/drawing/2010/main" w="9525">
                     <a:solidFill>
                       <a:srgbClr val="000000"/>
                     </a:solidFill>
@@ -10869,7 +10874,7 @@
               </a:ln>
               <a:extLst>
                 <a:ext uri="{91240B29-F687-4f45-9708-019B960494DF}">
-                  <a14:hiddenLine xmlns:a14="http://schemas.microsoft.com/office/drawing/2010/main" xmlns="" w="9525">
+                  <a14:hiddenLine xmlns="" xmlns:a14="http://schemas.microsoft.com/office/drawing/2010/main" w="9525">
                     <a:solidFill>
                       <a:srgbClr val="000000"/>
                     </a:solidFill>
@@ -10989,7 +10994,7 @@
               </a:ln>
               <a:extLst>
                 <a:ext uri="{91240B29-F687-4f45-9708-019B960494DF}">
-                  <a14:hiddenLine xmlns:a14="http://schemas.microsoft.com/office/drawing/2010/main" xmlns="" w="9525">
+                  <a14:hiddenLine xmlns="" xmlns:a14="http://schemas.microsoft.com/office/drawing/2010/main" w="9525">
                     <a:solidFill>
                       <a:srgbClr val="000000"/>
                     </a:solidFill>
@@ -11087,7 +11092,7 @@
               </a:ln>
               <a:extLst>
                 <a:ext uri="{91240B29-F687-4f45-9708-019B960494DF}">
-                  <a14:hiddenLine xmlns:a14="http://schemas.microsoft.com/office/drawing/2010/main" xmlns="" w="9525">
+                  <a14:hiddenLine xmlns="" xmlns:a14="http://schemas.microsoft.com/office/drawing/2010/main" w="9525">
                     <a:solidFill>
                       <a:srgbClr val="000000"/>
                     </a:solidFill>
@@ -11202,7 +11207,7 @@
               </a:ln>
               <a:extLst>
                 <a:ext uri="{91240B29-F687-4f45-9708-019B960494DF}">
-                  <a14:hiddenLine xmlns:a14="http://schemas.microsoft.com/office/drawing/2010/main" xmlns="" w="9525">
+                  <a14:hiddenLine xmlns="" xmlns:a14="http://schemas.microsoft.com/office/drawing/2010/main" w="9525">
                     <a:solidFill>
                       <a:srgbClr val="000000"/>
                     </a:solidFill>
@@ -11292,7 +11297,7 @@
               </a:ln>
               <a:extLst>
                 <a:ext uri="{91240B29-F687-4f45-9708-019B960494DF}">
-                  <a14:hiddenLine xmlns:a14="http://schemas.microsoft.com/office/drawing/2010/main" xmlns="" w="9525">
+                  <a14:hiddenLine xmlns="" xmlns:a14="http://schemas.microsoft.com/office/drawing/2010/main" w="9525">
                     <a:solidFill>
                       <a:srgbClr val="000000"/>
                     </a:solidFill>
@@ -11357,7 +11362,7 @@
               </a:ln>
               <a:extLst>
                 <a:ext uri="{91240B29-F687-4f45-9708-019B960494DF}">
-                  <a14:hiddenLine xmlns:a14="http://schemas.microsoft.com/office/drawing/2010/main" xmlns="" w="9525">
+                  <a14:hiddenLine xmlns="" xmlns:a14="http://schemas.microsoft.com/office/drawing/2010/main" w="9525">
                     <a:solidFill>
                       <a:srgbClr val="000000"/>
                     </a:solidFill>
@@ -11447,7 +11452,7 @@
               </a:ln>
               <a:extLst>
                 <a:ext uri="{91240B29-F687-4f45-9708-019B960494DF}">
-                  <a14:hiddenLine xmlns:a14="http://schemas.microsoft.com/office/drawing/2010/main" xmlns="" w="9525">
+                  <a14:hiddenLine xmlns="" xmlns:a14="http://schemas.microsoft.com/office/drawing/2010/main" w="9525">
                     <a:solidFill>
                       <a:srgbClr val="000000"/>
                     </a:solidFill>
@@ -11515,7 +11520,7 @@
               </a:ln>
               <a:extLst>
                 <a:ext uri="{91240B29-F687-4f45-9708-019B960494DF}">
-                  <a14:hiddenLine xmlns:a14="http://schemas.microsoft.com/office/drawing/2010/main" xmlns="" w="9525">
+                  <a14:hiddenLine xmlns="" xmlns:a14="http://schemas.microsoft.com/office/drawing/2010/main" w="9525">
                     <a:solidFill>
                       <a:srgbClr val="000000"/>
                     </a:solidFill>
@@ -11605,7 +11610,7 @@
               </a:ln>
               <a:extLst>
                 <a:ext uri="{91240B29-F687-4f45-9708-019B960494DF}">
-                  <a14:hiddenLine xmlns:a14="http://schemas.microsoft.com/office/drawing/2010/main" xmlns="" w="9525">
+                  <a14:hiddenLine xmlns="" xmlns:a14="http://schemas.microsoft.com/office/drawing/2010/main" w="9525">
                     <a:solidFill>
                       <a:srgbClr val="000000"/>
                     </a:solidFill>
@@ -11673,7 +11678,7 @@
               </a:ln>
               <a:extLst>
                 <a:ext uri="{91240B29-F687-4f45-9708-019B960494DF}">
-                  <a14:hiddenLine xmlns:a14="http://schemas.microsoft.com/office/drawing/2010/main" xmlns="" w="9525">
+                  <a14:hiddenLine xmlns="" xmlns:a14="http://schemas.microsoft.com/office/drawing/2010/main" w="9525">
                     <a:solidFill>
                       <a:srgbClr val="000000"/>
                     </a:solidFill>
@@ -11763,7 +11768,7 @@
               </a:ln>
               <a:extLst>
                 <a:ext uri="{91240B29-F687-4f45-9708-019B960494DF}">
-                  <a14:hiddenLine xmlns:a14="http://schemas.microsoft.com/office/drawing/2010/main" xmlns="" w="9525">
+                  <a14:hiddenLine xmlns="" xmlns:a14="http://schemas.microsoft.com/office/drawing/2010/main" w="9525">
                     <a:solidFill>
                       <a:srgbClr val="000000"/>
                     </a:solidFill>
@@ -11797,7 +11802,7 @@
               </a:ln>
               <a:extLst>
                 <a:ext uri="{91240B29-F687-4f45-9708-019B960494DF}">
-                  <a14:hiddenLine xmlns:a14="http://schemas.microsoft.com/office/drawing/2010/main" xmlns="" w="9525">
+                  <a14:hiddenLine xmlns="" xmlns:a14="http://schemas.microsoft.com/office/drawing/2010/main" w="9525">
                     <a:solidFill>
                       <a:srgbClr val="000000"/>
                     </a:solidFill>
@@ -12359,7 +12364,7 @@
           <p:cNvPr id="2" name="Titel 1">
             <a:extLst>
               <a:ext uri="{FF2B5EF4-FFF2-40B4-BE49-F238E27FC236}">
-                <a16:creationId xmlns:a16="http://schemas.microsoft.com/office/drawing/2014/main" id="{48A5A0E6-B790-4803-890A-FE48B0B6F9A9}"/>
+                <a16:creationId xmlns:a16="http://schemas.microsoft.com/office/drawing/2014/main" xmlns="" id="{48A5A0E6-B790-4803-890A-FE48B0B6F9A9}"/>
               </a:ext>
             </a:extLst>
           </p:cNvPr>
@@ -12370,12 +12375,7 @@
             <p:ph type="ctrTitle"/>
           </p:nvPr>
         </p:nvSpPr>
-        <p:spPr>
-          <a:xfrm>
-            <a:off x="1410433" y="2608263"/>
-            <a:ext cx="8791575" cy="1128468"/>
-          </a:xfrm>
-        </p:spPr>
+        <p:spPr/>
         <p:txBody>
           <a:bodyPr>
             <a:normAutofit/>
@@ -12390,6 +12390,52 @@
               </a:rPr>
               <a:t>Quartett</a:t>
             </a:r>
+          </a:p>
+        </p:txBody>
+      </p:sp>
+      <p:sp>
+        <p:nvSpPr>
+          <p:cNvPr id="3" name="Untertitel 2"/>
+          <p:cNvSpPr>
+            <a:spLocks noGrp="1"/>
+          </p:cNvSpPr>
+          <p:nvPr>
+            <p:ph type="subTitle" idx="1"/>
+          </p:nvPr>
+        </p:nvSpPr>
+        <p:spPr/>
+        <p:txBody>
+          <a:bodyPr>
+            <a:normAutofit/>
+          </a:bodyPr>
+          <a:lstStyle/>
+          <a:p>
+            <a:pPr algn="ctr"/>
+            <a:r>
+              <a:rPr lang="de-DE" sz="1400" dirty="0" smtClean="0"/>
+              <a:t>Jan </a:t>
+            </a:r>
+            <a:r>
+              <a:rPr lang="de-DE" sz="1400" dirty="0" err="1" smtClean="0"/>
+              <a:t>Hommelsheim</a:t>
+            </a:r>
+            <a:r>
+              <a:rPr lang="de-DE" sz="1400" dirty="0" smtClean="0"/>
+              <a:t>, </a:t>
+            </a:r>
+            <a:r>
+              <a:rPr lang="de-DE" sz="1400" dirty="0" err="1" smtClean="0"/>
+              <a:t>jan</a:t>
+            </a:r>
+            <a:r>
+              <a:rPr lang="de-DE" sz="1400" dirty="0" smtClean="0"/>
+              <a:t> </a:t>
+            </a:r>
+            <a:r>
+              <a:rPr lang="de-DE" sz="1400" dirty="0" err="1" smtClean="0"/>
+              <a:t>schmitter</a:t>
+            </a:r>
+            <a:endParaRPr lang="de-DE" sz="1400" dirty="0"/>
           </a:p>
         </p:txBody>
       </p:sp>
@@ -12428,7 +12474,7 @@
           <p:cNvPr id="2" name="Titel 1">
             <a:extLst>
               <a:ext uri="{FF2B5EF4-FFF2-40B4-BE49-F238E27FC236}">
-                <a16:creationId xmlns:a16="http://schemas.microsoft.com/office/drawing/2014/main" id="{525F1AC6-D43B-4FBA-B215-E6A15415A3C9}"/>
+                <a16:creationId xmlns:a16="http://schemas.microsoft.com/office/drawing/2014/main" xmlns="" id="{525F1AC6-D43B-4FBA-B215-E6A15415A3C9}"/>
               </a:ext>
             </a:extLst>
           </p:cNvPr>
@@ -12462,7 +12508,7 @@
           <p:cNvPr id="3" name="Inhaltsplatzhalter 2">
             <a:extLst>
               <a:ext uri="{FF2B5EF4-FFF2-40B4-BE49-F238E27FC236}">
-                <a16:creationId xmlns:a16="http://schemas.microsoft.com/office/drawing/2014/main" id="{B709A2C6-7D1E-4D69-B69E-C0B7236358A8}"/>
+                <a16:creationId xmlns:a16="http://schemas.microsoft.com/office/drawing/2014/main" xmlns="" id="{B709A2C6-7D1E-4D69-B69E-C0B7236358A8}"/>
               </a:ext>
             </a:extLst>
           </p:cNvPr>
@@ -12478,6 +12524,40 @@
           <a:bodyPr/>
           <a:lstStyle/>
           <a:p>
+            <a:r>
+              <a:rPr lang="de-DE" dirty="0" smtClean="0"/>
+              <a:t>Aufgabenstellung</a:t>
+            </a:r>
+          </a:p>
+          <a:p>
+            <a:r>
+              <a:rPr lang="de-DE" dirty="0" smtClean="0"/>
+              <a:t>Vorgehensmodell</a:t>
+            </a:r>
+          </a:p>
+          <a:p>
+            <a:r>
+              <a:rPr lang="de-DE" dirty="0" smtClean="0"/>
+              <a:t>Planungsergebnisse</a:t>
+            </a:r>
+          </a:p>
+          <a:p>
+            <a:r>
+              <a:rPr lang="de-DE" dirty="0" smtClean="0"/>
+              <a:t>JSON-Format</a:t>
+            </a:r>
+          </a:p>
+          <a:p>
+            <a:r>
+              <a:rPr lang="de-DE" dirty="0" smtClean="0"/>
+              <a:t>Planung vs. Tatsächlich</a:t>
+            </a:r>
+          </a:p>
+          <a:p>
+            <a:r>
+              <a:rPr lang="de-DE" dirty="0" smtClean="0"/>
+              <a:t>Darstellung Ergebnisse</a:t>
+            </a:r>
             <a:endParaRPr lang="de-DE" dirty="0"/>
           </a:p>
         </p:txBody>
@@ -12517,7 +12597,7 @@
           <p:cNvPr id="2" name="Titel 1">
             <a:extLst>
               <a:ext uri="{FF2B5EF4-FFF2-40B4-BE49-F238E27FC236}">
-                <a16:creationId xmlns:a16="http://schemas.microsoft.com/office/drawing/2014/main" id="{8010C0C0-F3A1-4F1D-A594-9CF25EE0119B}"/>
+                <a16:creationId xmlns:a16="http://schemas.microsoft.com/office/drawing/2014/main" xmlns="" id="{8010C0C0-F3A1-4F1D-A594-9CF25EE0119B}"/>
               </a:ext>
             </a:extLst>
           </p:cNvPr>
@@ -12551,7 +12631,7 @@
           <p:cNvPr id="3" name="Inhaltsplatzhalter 2">
             <a:extLst>
               <a:ext uri="{FF2B5EF4-FFF2-40B4-BE49-F238E27FC236}">
-                <a16:creationId xmlns:a16="http://schemas.microsoft.com/office/drawing/2014/main" id="{7989B26C-D07D-451C-A081-EF14D4103AF1}"/>
+                <a16:creationId xmlns:a16="http://schemas.microsoft.com/office/drawing/2014/main" xmlns="" id="{7989B26C-D07D-451C-A081-EF14D4103AF1}"/>
               </a:ext>
             </a:extLst>
           </p:cNvPr>
@@ -12642,7 +12722,7 @@
           <p:cNvPr id="2" name="Titel 1">
             <a:extLst>
               <a:ext uri="{FF2B5EF4-FFF2-40B4-BE49-F238E27FC236}">
-                <a16:creationId xmlns:a16="http://schemas.microsoft.com/office/drawing/2014/main" id="{03F5DFB9-430E-46F7-9472-F462B271C7FB}"/>
+                <a16:creationId xmlns:a16="http://schemas.microsoft.com/office/drawing/2014/main" xmlns="" id="{03F5DFB9-430E-46F7-9472-F462B271C7FB}"/>
               </a:ext>
             </a:extLst>
           </p:cNvPr>
@@ -12674,7 +12754,7 @@
           <p:cNvPr id="3" name="Inhaltsplatzhalter 2">
             <a:extLst>
               <a:ext uri="{FF2B5EF4-FFF2-40B4-BE49-F238E27FC236}">
-                <a16:creationId xmlns:a16="http://schemas.microsoft.com/office/drawing/2014/main" id="{2C4C091E-99C0-4A0A-8E00-DE81A31BB14D}"/>
+                <a16:creationId xmlns:a16="http://schemas.microsoft.com/office/drawing/2014/main" xmlns="" id="{2C4C091E-99C0-4A0A-8E00-DE81A31BB14D}"/>
               </a:ext>
             </a:extLst>
           </p:cNvPr>
@@ -12769,7 +12849,7 @@
           <p:cNvPr id="2" name="Titel 1">
             <a:extLst>
               <a:ext uri="{FF2B5EF4-FFF2-40B4-BE49-F238E27FC236}">
-                <a16:creationId xmlns:a16="http://schemas.microsoft.com/office/drawing/2014/main" id="{0FE3A334-3910-42CB-921F-C1A97F388D22}"/>
+                <a16:creationId xmlns:a16="http://schemas.microsoft.com/office/drawing/2014/main" xmlns="" id="{0FE3A334-3910-42CB-921F-C1A97F388D22}"/>
               </a:ext>
             </a:extLst>
           </p:cNvPr>
@@ -12805,7 +12885,7 @@
           <p:cNvPr id="3" name="Inhaltsplatzhalter 2">
             <a:extLst>
               <a:ext uri="{FF2B5EF4-FFF2-40B4-BE49-F238E27FC236}">
-                <a16:creationId xmlns:a16="http://schemas.microsoft.com/office/drawing/2014/main" id="{47790054-D049-4D5A-80D3-78A9E4D4AEA2}"/>
+                <a16:creationId xmlns:a16="http://schemas.microsoft.com/office/drawing/2014/main" xmlns="" id="{47790054-D049-4D5A-80D3-78A9E4D4AEA2}"/>
               </a:ext>
             </a:extLst>
           </p:cNvPr>
@@ -12884,7 +12964,7 @@
           <p:cNvPr id="2" name="Titel 1">
             <a:extLst>
               <a:ext uri="{FF2B5EF4-FFF2-40B4-BE49-F238E27FC236}">
-                <a16:creationId xmlns:a16="http://schemas.microsoft.com/office/drawing/2014/main" id="{DCE59362-8AD2-4BEF-83CC-04AE0DAA3F58}"/>
+                <a16:creationId xmlns:a16="http://schemas.microsoft.com/office/drawing/2014/main" xmlns="" id="{DCE59362-8AD2-4BEF-83CC-04AE0DAA3F58}"/>
               </a:ext>
             </a:extLst>
           </p:cNvPr>
@@ -12916,7 +12996,7 @@
           <p:cNvPr id="3" name="Inhaltsplatzhalter 2">
             <a:extLst>
               <a:ext uri="{FF2B5EF4-FFF2-40B4-BE49-F238E27FC236}">
-                <a16:creationId xmlns:a16="http://schemas.microsoft.com/office/drawing/2014/main" id="{102E916F-0025-43E9-AEA5-46FC195FD3B4}"/>
+                <a16:creationId xmlns:a16="http://schemas.microsoft.com/office/drawing/2014/main" xmlns="" id="{102E916F-0025-43E9-AEA5-46FC195FD3B4}"/>
               </a:ext>
             </a:extLst>
           </p:cNvPr>
@@ -12971,7 +13051,7 @@
           <p:cNvPr id="2" name="Titel 1">
             <a:extLst>
               <a:ext uri="{FF2B5EF4-FFF2-40B4-BE49-F238E27FC236}">
-                <a16:creationId xmlns:a16="http://schemas.microsoft.com/office/drawing/2014/main" id="{649CBA29-13E9-410F-A737-39A47A0198E6}"/>
+                <a16:creationId xmlns:a16="http://schemas.microsoft.com/office/drawing/2014/main" xmlns="" id="{649CBA29-13E9-410F-A737-39A47A0198E6}"/>
               </a:ext>
             </a:extLst>
           </p:cNvPr>
@@ -13003,7 +13083,7 @@
           <p:cNvPr id="3" name="Inhaltsplatzhalter 2">
             <a:extLst>
               <a:ext uri="{FF2B5EF4-FFF2-40B4-BE49-F238E27FC236}">
-                <a16:creationId xmlns:a16="http://schemas.microsoft.com/office/drawing/2014/main" id="{B1737237-FFB8-4914-997C-A2D0C99FB88A}"/>
+                <a16:creationId xmlns:a16="http://schemas.microsoft.com/office/drawing/2014/main" xmlns="" id="{B1737237-FFB8-4914-997C-A2D0C99FB88A}"/>
               </a:ext>
             </a:extLst>
           </p:cNvPr>
@@ -13024,8 +13104,19 @@
                 <a:latin typeface="Arial" panose="020B0604020202020204" pitchFamily="34" charset="0"/>
                 <a:cs typeface="Arial" panose="020B0604020202020204" pitchFamily="34" charset="0"/>
               </a:rPr>
-              <a:t>Planungsphase länger gedauert ( JSON )</a:t>
+              <a:t>Planungsphase länger gedauert ( JSON </a:t>
             </a:r>
+            <a:r>
+              <a:rPr lang="de-DE" dirty="0" smtClean="0">
+                <a:latin typeface="Arial" panose="020B0604020202020204" pitchFamily="34" charset="0"/>
+                <a:cs typeface="Arial" panose="020B0604020202020204" pitchFamily="34" charset="0"/>
+              </a:rPr>
+              <a:t>)</a:t>
+            </a:r>
+            <a:endParaRPr lang="de-DE" dirty="0">
+              <a:latin typeface="Arial" panose="020B0604020202020204" pitchFamily="34" charset="0"/>
+              <a:cs typeface="Arial" panose="020B0604020202020204" pitchFamily="34" charset="0"/>
+            </a:endParaRPr>
           </a:p>
           <a:p>
             <a:r>
@@ -13033,7 +13124,21 @@
                 <a:latin typeface="Arial" panose="020B0604020202020204" pitchFamily="34" charset="0"/>
                 <a:cs typeface="Arial" panose="020B0604020202020204" pitchFamily="34" charset="0"/>
               </a:rPr>
-              <a:t>Programmierphase hat sich verlängert ( Daten für Quartett )</a:t>
+              <a:t>Programmierphase hat sich </a:t>
+            </a:r>
+            <a:r>
+              <a:rPr lang="de-DE" dirty="0" smtClean="0">
+                <a:latin typeface="Arial" panose="020B0604020202020204" pitchFamily="34" charset="0"/>
+                <a:cs typeface="Arial" panose="020B0604020202020204" pitchFamily="34" charset="0"/>
+              </a:rPr>
+              <a:t>verlängert ( </a:t>
+            </a:r>
+            <a:r>
+              <a:rPr lang="de-DE" dirty="0">
+                <a:latin typeface="Arial" panose="020B0604020202020204" pitchFamily="34" charset="0"/>
+                <a:cs typeface="Arial" panose="020B0604020202020204" pitchFamily="34" charset="0"/>
+              </a:rPr>
+              <a:t>Daten für Quartett )</a:t>
             </a:r>
           </a:p>
           <a:p>
@@ -13082,7 +13187,7 @@
           <p:cNvPr id="2" name="Titel 1">
             <a:extLst>
               <a:ext uri="{FF2B5EF4-FFF2-40B4-BE49-F238E27FC236}">
-                <a16:creationId xmlns:a16="http://schemas.microsoft.com/office/drawing/2014/main" id="{B80F0899-A968-4130-A51A-6E8828ADC63C}"/>
+                <a16:creationId xmlns:a16="http://schemas.microsoft.com/office/drawing/2014/main" xmlns="" id="{B80F0899-A968-4130-A51A-6E8828ADC63C}"/>
               </a:ext>
             </a:extLst>
           </p:cNvPr>
@@ -13114,7 +13219,7 @@
           <p:cNvPr id="3" name="Inhaltsplatzhalter 2">
             <a:extLst>
               <a:ext uri="{FF2B5EF4-FFF2-40B4-BE49-F238E27FC236}">
-                <a16:creationId xmlns:a16="http://schemas.microsoft.com/office/drawing/2014/main" id="{DF06C28A-5615-4237-97CE-D65B13C2C282}"/>
+                <a16:creationId xmlns:a16="http://schemas.microsoft.com/office/drawing/2014/main" xmlns="" id="{DF06C28A-5615-4237-97CE-D65B13C2C282}"/>
               </a:ext>
             </a:extLst>
           </p:cNvPr>
@@ -13135,8 +13240,28 @@
                 <a:latin typeface="Arial" panose="020B0604020202020204" pitchFamily="34" charset="0"/>
                 <a:cs typeface="Arial" panose="020B0604020202020204" pitchFamily="34" charset="0"/>
               </a:rPr>
-              <a:t>Programm vorstellen </a:t>
+              <a:t>Programm </a:t>
             </a:r>
+            <a:r>
+              <a:rPr lang="de-DE" dirty="0" smtClean="0">
+                <a:latin typeface="Arial" panose="020B0604020202020204" pitchFamily="34" charset="0"/>
+                <a:cs typeface="Arial" panose="020B0604020202020204" pitchFamily="34" charset="0"/>
+              </a:rPr>
+              <a:t>vorstellen</a:t>
+            </a:r>
+          </a:p>
+          <a:p>
+            <a:r>
+              <a:rPr lang="de-DE" dirty="0" smtClean="0">
+                <a:latin typeface="Arial" panose="020B0604020202020204" pitchFamily="34" charset="0"/>
+                <a:cs typeface="Arial" panose="020B0604020202020204" pitchFamily="34" charset="0"/>
+              </a:rPr>
+              <a:t>JSON-Datei zeigen</a:t>
+            </a:r>
+            <a:endParaRPr lang="de-DE" dirty="0">
+              <a:latin typeface="Arial" panose="020B0604020202020204" pitchFamily="34" charset="0"/>
+              <a:cs typeface="Arial" panose="020B0604020202020204" pitchFamily="34" charset="0"/>
+            </a:endParaRPr>
           </a:p>
           <a:p>
             <a:r>
@@ -13155,6 +13280,26 @@
               </a:rPr>
               <a:t>IProperty Klasse </a:t>
             </a:r>
+            <a:r>
+              <a:rPr lang="de-DE" dirty="0" smtClean="0">
+                <a:latin typeface="Arial" panose="020B0604020202020204" pitchFamily="34" charset="0"/>
+                <a:cs typeface="Arial" panose="020B0604020202020204" pitchFamily="34" charset="0"/>
+              </a:rPr>
+              <a:t>im Detail</a:t>
+            </a:r>
+          </a:p>
+          <a:p>
+            <a:r>
+              <a:rPr lang="de-DE" dirty="0" smtClean="0">
+                <a:latin typeface="Arial" panose="020B0604020202020204" pitchFamily="34" charset="0"/>
+                <a:cs typeface="Arial" panose="020B0604020202020204" pitchFamily="34" charset="0"/>
+              </a:rPr>
+              <a:t>PAP (Pflichtenheft)</a:t>
+            </a:r>
+            <a:endParaRPr lang="de-DE" dirty="0">
+              <a:latin typeface="Arial" panose="020B0604020202020204" pitchFamily="34" charset="0"/>
+              <a:cs typeface="Arial" panose="020B0604020202020204" pitchFamily="34" charset="0"/>
+            </a:endParaRPr>
           </a:p>
           <a:p>
             <a:endParaRPr lang="de-DE" dirty="0">
